--- a/sop-pembeli.pptx
+++ b/sop-pembeli.pptx
@@ -1714,17 +1714,7 @@
                 <a:latin typeface="Adobe Gothic Std B" panose="020B0800000000000000" pitchFamily="34" charset="-128"/>
                 <a:ea typeface="Adobe Gothic Std B" panose="020B0800000000000000" pitchFamily="34" charset="-128"/>
               </a:rPr>
-              <a:t>Proses Pemantaun pesanan </a:t>
-            </a:r>
-          </a:p>
-          <a:p>
-            <a:pPr algn="ctr"/>
-            <a:r>
-              <a:rPr lang="id-ID" sz="4000" b="1" dirty="0">
-                <a:latin typeface="Adobe Gothic Std B" panose="020B0800000000000000" pitchFamily="34" charset="-128"/>
-                <a:ea typeface="Adobe Gothic Std B" panose="020B0800000000000000" pitchFamily="34" charset="-128"/>
-              </a:rPr>
-              <a:t>dan alur pembayaran </a:t>
+              <a:t>Proses Monitoring Pesanan </a:t>
             </a:r>
           </a:p>
         </p:txBody>
@@ -1797,7 +1787,7 @@
                   <a:schemeClr val="bg1"/>
                 </a:solidFill>
               </a:rPr>
-              <a:t>Ini adalah form untuk konfirmasi pembayaran Anda.</a:t>
+              <a:t>Ini form untuk konfirmasi pembayaran</a:t>
             </a:r>
           </a:p>
           <a:p>
@@ -1811,7 +1801,7 @@
                   <a:schemeClr val="bg1"/>
                 </a:solidFill>
               </a:rPr>
-              <a:t>Pilih jenis bank</a:t>
+              <a:t>Pilih Bank</a:t>
             </a:r>
           </a:p>
           <a:p>
@@ -1825,7 +1815,7 @@
                   <a:schemeClr val="bg1"/>
                 </a:solidFill>
               </a:rPr>
-              <a:t>Inputkan nomor rekening sekolah / rekening yang digunakan untuk transfer.</a:t>
+              <a:t>Ketik nomor rekening sekolah / rekening yang digunakan untuk transfer.</a:t>
             </a:r>
           </a:p>
           <a:p>
@@ -1839,7 +1829,7 @@
                   <a:schemeClr val="bg1"/>
                 </a:solidFill>
               </a:rPr>
-              <a:t>Upload (scan) bukti transfer</a:t>
+              <a:t>Scan =&gt; Upload bukti transfer</a:t>
             </a:r>
           </a:p>
           <a:p>
@@ -1853,7 +1843,7 @@
                   <a:schemeClr val="bg1"/>
                 </a:solidFill>
               </a:rPr>
-              <a:t>Upload (scan) BAST</a:t>
+              <a:t>Scan =&gt; Upload BAST</a:t>
             </a:r>
             <a:endParaRPr lang="en-US" sz="3200" dirty="0">
               <a:solidFill>
@@ -1956,7 +1946,7 @@
                 <a:latin typeface="Adobe Gothic Std B" panose="020B0800000000000000" pitchFamily="34" charset="-128"/>
                 <a:ea typeface="Adobe Gothic Std B" panose="020B0800000000000000" pitchFamily="34" charset="-128"/>
               </a:rPr>
-              <a:t>#action</a:t>
+              <a:t>#process</a:t>
             </a:r>
           </a:p>
         </p:txBody>
@@ -2128,7 +2118,7 @@
                 <a:latin typeface="Adobe Gothic Std B" panose="020B0800000000000000" pitchFamily="34" charset="-128"/>
                 <a:ea typeface="Adobe Gothic Std B" panose="020B0800000000000000" pitchFamily="34" charset="-128"/>
               </a:rPr>
-              <a:t>#action</a:t>
+              <a:t>#process</a:t>
             </a:r>
           </a:p>
         </p:txBody>
@@ -2178,7 +2168,7 @@
         <p:spPr>
           <a:xfrm>
             <a:off x="2693668" y="5824537"/>
-            <a:ext cx="7395211" cy="1569660"/>
+            <a:ext cx="7395211" cy="1077218"/>
           </a:xfrm>
           <a:prstGeom prst="rect">
             <a:avLst/>
@@ -2197,7 +2187,23 @@
                   <a:schemeClr val="bg1"/>
                 </a:solidFill>
               </a:rPr>
-              <a:t>Proses pemesanan Selesai, daftar pesanan yang sudah selesai akan pindah di tab halaman </a:t>
+              <a:t>Status Pembelian : </a:t>
+            </a:r>
+            <a:r>
+              <a:rPr lang="id-ID" sz="3200" b="1" dirty="0">
+                <a:solidFill>
+                  <a:schemeClr val="bg1"/>
+                </a:solidFill>
+              </a:rPr>
+              <a:t>“Dibayar”</a:t>
+            </a:r>
+            <a:r>
+              <a:rPr lang="id-ID" sz="3200" dirty="0">
+                <a:solidFill>
+                  <a:schemeClr val="bg1"/>
+                </a:solidFill>
+              </a:rPr>
+              <a:t>, pindah di tab halaman </a:t>
             </a:r>
             <a:r>
               <a:rPr lang="id-ID" sz="3200" b="1" dirty="0">
@@ -2308,7 +2314,7 @@
                 <a:latin typeface="Adobe Gothic Std B" panose="020B0800000000000000" pitchFamily="34" charset="-128"/>
                 <a:ea typeface="Adobe Gothic Std B" panose="020B0800000000000000" pitchFamily="34" charset="-128"/>
               </a:rPr>
-              <a:t>#action</a:t>
+              <a:t>#process</a:t>
             </a:r>
           </a:p>
         </p:txBody>
@@ -2357,8 +2363,8 @@
         </p:nvSpPr>
         <p:spPr>
           <a:xfrm>
-            <a:off x="1266825" y="1789618"/>
-            <a:ext cx="7753350" cy="5509200"/>
+            <a:off x="1266825" y="1271458"/>
+            <a:ext cx="7753350" cy="5016758"/>
           </a:xfrm>
           <a:prstGeom prst="rect">
             <a:avLst/>
@@ -2381,7 +2387,7 @@
                   <a:schemeClr val="bg1"/>
                 </a:solidFill>
               </a:rPr>
-              <a:t>Disini asumsinya adalah sekolah sudah selesai melakukan proses pemesanan.</a:t>
+              <a:t>Asumsinya sekolah sudah selesai melakukan proses pemesanan.</a:t>
             </a:r>
           </a:p>
           <a:p>
@@ -2395,7 +2401,7 @@
                   <a:schemeClr val="bg1"/>
                 </a:solidFill>
               </a:rPr>
-              <a:t>Sekolah hanya menunggu proses dan pengiriman barang dari penjual</a:t>
+              <a:t>Sekolah hanya menunggu proses dan pengiriman barang dari penjual.</a:t>
             </a:r>
           </a:p>
           <a:p>
@@ -2409,7 +2415,7 @@
                   <a:schemeClr val="bg1"/>
                 </a:solidFill>
               </a:rPr>
-              <a:t>Ketika barang sudah diterima oleh sekolah, disinilah sekolah mulai aktif di aplikasi.</a:t>
+              <a:t>Ketika barang sudah diterima sekolah, sekolah mulai aktif di aplikasi.</a:t>
             </a:r>
           </a:p>
           <a:p>
@@ -2423,7 +2429,7 @@
                   <a:schemeClr val="bg1"/>
                 </a:solidFill>
               </a:rPr>
-              <a:t>Perhatikan label kuning pada setiap postingan berikut, agar dapat membedakan mana yang pemantauan </a:t>
+              <a:t>Perhatikan label kuning pada setiap postingan, agar dapat membedakan mana yang sedang “</a:t>
             </a:r>
             <a:r>
               <a:rPr lang="id-ID" sz="3200" b="1" dirty="0">
@@ -2431,7 +2437,7 @@
                   <a:schemeClr val="bg1"/>
                 </a:solidFill>
               </a:rPr>
-              <a:t>(monitoring)</a:t>
+              <a:t>monitoring”</a:t>
             </a:r>
             <a:r>
               <a:rPr lang="id-ID" sz="3200" dirty="0">
@@ -2439,7 +2445,7 @@
                   <a:schemeClr val="bg1"/>
                 </a:solidFill>
               </a:rPr>
-              <a:t> dan mana yang aksi </a:t>
+              <a:t> dan mana yang harus “</a:t>
             </a:r>
             <a:r>
               <a:rPr lang="id-ID" sz="3200" b="1" dirty="0">
@@ -2447,7 +2453,7 @@
                   <a:schemeClr val="bg1"/>
                 </a:solidFill>
               </a:rPr>
-              <a:t>(action)</a:t>
+              <a:t>process” </a:t>
             </a:r>
             <a:r>
               <a:rPr lang="id-ID" sz="3200" dirty="0">
@@ -2455,7 +2461,7 @@
                   <a:schemeClr val="bg1"/>
                 </a:solidFill>
               </a:rPr>
-              <a:t> yang harus di lakukan oleh sekolah</a:t>
+              <a:t>oleh sekolah.</a:t>
             </a:r>
           </a:p>
         </p:txBody>
@@ -2767,7 +2773,7 @@
         <p:spPr>
           <a:xfrm>
             <a:off x="491490" y="5614858"/>
-            <a:ext cx="5050155" cy="2062103"/>
+            <a:ext cx="5650230" cy="1569660"/>
           </a:xfrm>
           <a:prstGeom prst="rect">
             <a:avLst/>
@@ -2806,7 +2812,7 @@
                   <a:schemeClr val="bg1"/>
                 </a:solidFill>
               </a:rPr>
-              <a:t>anda</a:t>
+              <a:t>pembeli</a:t>
             </a:r>
             <a:r>
               <a:rPr lang="en-US" sz="3200" dirty="0">
@@ -2814,23 +2820,7 @@
                   <a:schemeClr val="bg1"/>
                 </a:solidFill>
               </a:rPr>
-              <a:t>(</a:t>
-            </a:r>
-            <a:r>
-              <a:rPr lang="en-US" sz="3200" dirty="0" err="1">
-                <a:solidFill>
-                  <a:schemeClr val="bg1"/>
-                </a:solidFill>
-              </a:rPr>
-              <a:t>pembeli</a:t>
-            </a:r>
-            <a:r>
-              <a:rPr lang="en-US" sz="3200" dirty="0">
-                <a:solidFill>
-                  <a:schemeClr val="bg1"/>
-                </a:solidFill>
-              </a:rPr>
-              <a:t>) </a:t>
+              <a:t> </a:t>
             </a:r>
             <a:r>
               <a:rPr lang="en-US" sz="3200" dirty="0" err="1">
@@ -3122,7 +3112,7 @@
         <p:spPr>
           <a:xfrm>
             <a:off x="434340" y="5980618"/>
-            <a:ext cx="9418320" cy="1569660"/>
+            <a:ext cx="9418320" cy="1077218"/>
           </a:xfrm>
           <a:prstGeom prst="rect">
             <a:avLst/>
@@ -3266,15 +3256,47 @@
               <a:buChar char="•"/>
             </a:pPr>
             <a:r>
+              <a:rPr lang="id-ID" sz="3200" dirty="0">
+                <a:solidFill>
+                  <a:schemeClr val="bg1"/>
+                </a:solidFill>
+              </a:rPr>
+              <a:t>Status </a:t>
+            </a:r>
+            <a:r>
               <a:rPr lang="en-US" sz="3200" dirty="0" err="1">
                 <a:solidFill>
                   <a:schemeClr val="bg1"/>
                 </a:solidFill>
               </a:rPr>
-              <a:t>Bisa</a:t>
-            </a:r>
-            <a:r>
-              <a:rPr lang="en-US" sz="3200" dirty="0">
+              <a:t>pembelian</a:t>
+            </a:r>
+            <a:r>
+              <a:rPr lang="id-ID" sz="3200" dirty="0">
+                <a:solidFill>
+                  <a:schemeClr val="bg1"/>
+                </a:solidFill>
+              </a:rPr>
+              <a:t>: </a:t>
+            </a:r>
+            <a:r>
+              <a:rPr lang="en-US" sz="3200" b="1" dirty="0">
+                <a:solidFill>
+                  <a:schemeClr val="bg1"/>
+                </a:solidFill>
+              </a:rPr>
+              <a:t>“</a:t>
+            </a:r>
+            <a:r>
+              <a:rPr lang="en-US" sz="3200" b="1" dirty="0" err="1">
+                <a:solidFill>
+                  <a:schemeClr val="bg1"/>
+                </a:solidFill>
+              </a:rPr>
+              <a:t>Menunggu</a:t>
+            </a:r>
+            <a:r>
+              <a:rPr lang="en-US" sz="3200" b="1" dirty="0">
                 <a:solidFill>
                   <a:schemeClr val="bg1"/>
                 </a:solidFill>
@@ -3282,31 +3304,15 @@
               <a:t> </a:t>
             </a:r>
             <a:r>
-              <a:rPr lang="en-US" sz="3200" dirty="0" err="1">
-                <a:solidFill>
-                  <a:schemeClr val="bg1"/>
-                </a:solidFill>
-              </a:rPr>
-              <a:t>dilihat</a:t>
-            </a:r>
-            <a:r>
-              <a:rPr lang="en-US" sz="3200" dirty="0">
-                <a:solidFill>
-                  <a:schemeClr val="bg1"/>
-                </a:solidFill>
-              </a:rPr>
-              <a:t> status </a:t>
-            </a:r>
-            <a:r>
-              <a:rPr lang="en-US" sz="3200" dirty="0" err="1">
-                <a:solidFill>
-                  <a:schemeClr val="bg1"/>
-                </a:solidFill>
-              </a:rPr>
-              <a:t>pembelian</a:t>
-            </a:r>
-            <a:r>
-              <a:rPr lang="en-US" sz="3200" dirty="0">
+              <a:rPr lang="en-US" sz="3200" b="1" dirty="0" err="1">
+                <a:solidFill>
+                  <a:schemeClr val="bg1"/>
+                </a:solidFill>
+              </a:rPr>
+              <a:t>Diproses</a:t>
+            </a:r>
+            <a:r>
+              <a:rPr lang="en-US" sz="3200" b="1" dirty="0">
                 <a:solidFill>
                   <a:schemeClr val="bg1"/>
                 </a:solidFill>
@@ -3314,63 +3320,7 @@
               <a:t> </a:t>
             </a:r>
             <a:r>
-              <a:rPr lang="en-US" sz="3200" dirty="0" err="1">
-                <a:solidFill>
-                  <a:schemeClr val="bg1"/>
-                </a:solidFill>
-              </a:rPr>
-              <a:t>masih</a:t>
-            </a:r>
-            <a:r>
-              <a:rPr lang="en-US" sz="3200" dirty="0">
-                <a:solidFill>
-                  <a:schemeClr val="bg1"/>
-                </a:solidFill>
-              </a:rPr>
-              <a:t> </a:t>
-            </a:r>
-            <a:r>
-              <a:rPr lang="en-US" sz="3200" i="1" dirty="0">
-                <a:solidFill>
-                  <a:schemeClr val="bg1"/>
-                </a:solidFill>
-              </a:rPr>
-              <a:t>“</a:t>
-            </a:r>
-            <a:r>
-              <a:rPr lang="en-US" sz="3200" i="1" dirty="0" err="1">
-                <a:solidFill>
-                  <a:schemeClr val="bg1"/>
-                </a:solidFill>
-              </a:rPr>
-              <a:t>Menunggu</a:t>
-            </a:r>
-            <a:r>
-              <a:rPr lang="en-US" sz="3200" i="1" dirty="0">
-                <a:solidFill>
-                  <a:schemeClr val="bg1"/>
-                </a:solidFill>
-              </a:rPr>
-              <a:t> </a:t>
-            </a:r>
-            <a:r>
-              <a:rPr lang="en-US" sz="3200" i="1" dirty="0" err="1">
-                <a:solidFill>
-                  <a:schemeClr val="bg1"/>
-                </a:solidFill>
-              </a:rPr>
-              <a:t>Diproses</a:t>
-            </a:r>
-            <a:r>
-              <a:rPr lang="en-US" sz="3200" i="1" dirty="0">
-                <a:solidFill>
-                  <a:schemeClr val="bg1"/>
-                </a:solidFill>
-              </a:rPr>
-              <a:t> </a:t>
-            </a:r>
-            <a:r>
-              <a:rPr lang="en-US" sz="3200" i="1" dirty="0" err="1">
+              <a:rPr lang="en-US" sz="3200" b="1" dirty="0" err="1">
                 <a:solidFill>
                   <a:schemeClr val="bg1"/>
                 </a:solidFill>
@@ -3378,7 +3328,7 @@
               <a:t>Penjual</a:t>
             </a:r>
             <a:r>
-              <a:rPr lang="en-US" sz="3200" i="1" dirty="0">
+              <a:rPr lang="en-US" sz="3200" b="1" dirty="0">
                 <a:solidFill>
                   <a:schemeClr val="bg1"/>
                 </a:solidFill>
@@ -3531,7 +3481,7 @@
         <p:spPr>
           <a:xfrm>
             <a:off x="434340" y="5980618"/>
-            <a:ext cx="9418320" cy="2062103"/>
+            <a:ext cx="9418320" cy="1077218"/>
           </a:xfrm>
           <a:prstGeom prst="rect">
             <a:avLst/>
@@ -3549,12 +3499,36 @@
               <a:buChar char="•"/>
             </a:pPr>
             <a:r>
+              <a:rPr lang="id-ID" sz="3200" dirty="0">
+                <a:solidFill>
+                  <a:schemeClr val="bg1"/>
+                </a:solidFill>
+              </a:rPr>
+              <a:t>K</a:t>
+            </a:r>
+            <a:r>
               <a:rPr lang="en-US" sz="3200" dirty="0" err="1">
                 <a:solidFill>
                   <a:schemeClr val="bg1"/>
                 </a:solidFill>
               </a:rPr>
-              <a:t>Ini</a:t>
+              <a:t>etika</a:t>
+            </a:r>
+            <a:r>
+              <a:rPr lang="en-US" sz="3200" dirty="0">
+                <a:solidFill>
+                  <a:schemeClr val="bg1"/>
+                </a:solidFill>
+              </a:rPr>
+              <a:t> </a:t>
+            </a:r>
+            <a:r>
+              <a:rPr lang="en-US" sz="3200" dirty="0" err="1">
+                <a:solidFill>
+                  <a:schemeClr val="bg1"/>
+                </a:solidFill>
+              </a:rPr>
+              <a:t>pesanan</a:t>
             </a:r>
             <a:r>
               <a:rPr lang="id-ID" sz="3200" dirty="0">
@@ -3562,7 +3536,7 @@
                   <a:schemeClr val="bg1"/>
                 </a:solidFill>
               </a:rPr>
-              <a:t> adalah </a:t>
+              <a:t> </a:t>
             </a:r>
             <a:r>
               <a:rPr lang="en-US" sz="3200" dirty="0" err="1">
@@ -3570,7 +3544,7 @@
                   <a:schemeClr val="bg1"/>
                 </a:solidFill>
               </a:rPr>
-              <a:t>ketika</a:t>
+              <a:t>sudah</a:t>
             </a:r>
             <a:r>
               <a:rPr lang="en-US" sz="3200" dirty="0">
@@ -3586,7 +3560,7 @@
                   <a:schemeClr val="bg1"/>
                 </a:solidFill>
               </a:rPr>
-              <a:t>pesanan</a:t>
+              <a:t>diproses</a:t>
             </a:r>
             <a:r>
               <a:rPr lang="en-US" sz="3200" dirty="0">
@@ -3594,6 +3568,14 @@
                   <a:schemeClr val="bg1"/>
                 </a:solidFill>
               </a:rPr>
+              <a:t> oleh</a:t>
+            </a:r>
+            <a:r>
+              <a:rPr lang="id-ID" sz="3200" dirty="0">
+                <a:solidFill>
+                  <a:schemeClr val="bg1"/>
+                </a:solidFill>
+              </a:rPr>
               <a:t> </a:t>
             </a:r>
             <a:r>
@@ -3602,7 +3584,23 @@
                   <a:schemeClr val="bg1"/>
                 </a:solidFill>
               </a:rPr>
-              <a:t>anda</a:t>
+              <a:t>penjual</a:t>
+            </a:r>
+            <a:r>
+              <a:rPr lang="id-ID" sz="3200" dirty="0">
+                <a:solidFill>
+                  <a:schemeClr val="bg1"/>
+                </a:solidFill>
+              </a:rPr>
+              <a:t>, d</a:t>
+            </a:r>
+            <a:r>
+              <a:rPr lang="en-US" sz="3200" dirty="0" err="1">
+                <a:solidFill>
+                  <a:schemeClr val="bg1"/>
+                </a:solidFill>
+              </a:rPr>
+              <a:t>ari</a:t>
             </a:r>
             <a:r>
               <a:rPr lang="en-US" sz="3200" dirty="0">
@@ -3618,7 +3616,7 @@
                   <a:schemeClr val="bg1"/>
                 </a:solidFill>
               </a:rPr>
-              <a:t>sudah</a:t>
+              <a:t>sini</a:t>
             </a:r>
             <a:r>
               <a:rPr lang="en-US" sz="3200" dirty="0">
@@ -3626,7 +3624,7 @@
                   <a:schemeClr val="bg1"/>
                 </a:solidFill>
               </a:rPr>
-              <a:t> di proses oleh </a:t>
+              <a:t> </a:t>
             </a:r>
             <a:r>
               <a:rPr lang="en-US" sz="3200" dirty="0" err="1">
@@ -3634,7 +3632,15 @@
                   <a:schemeClr val="bg1"/>
                 </a:solidFill>
               </a:rPr>
-              <a:t>pihak</a:t>
+              <a:t>pembeli</a:t>
+            </a:r>
+            <a:r>
+              <a:rPr lang="id-ID" sz="3200" dirty="0">
+                <a:solidFill>
+                  <a:schemeClr val="bg1"/>
+                </a:solidFill>
+              </a:rPr>
+              <a:t> </a:t>
             </a:r>
             <a:r>
               <a:rPr lang="en-US" sz="3200" dirty="0">
@@ -3642,6 +3648,22 @@
                   <a:schemeClr val="bg1"/>
                 </a:solidFill>
               </a:rPr>
+              <a:t>bis</a:t>
+            </a:r>
+            <a:r>
+              <a:rPr lang="id-ID" sz="3200" dirty="0">
+                <a:solidFill>
+                  <a:schemeClr val="bg1"/>
+                </a:solidFill>
+              </a:rPr>
+              <a:t>a</a:t>
+            </a:r>
+            <a:r>
+              <a:rPr lang="en-US" sz="3200" dirty="0">
+                <a:solidFill>
+                  <a:schemeClr val="bg1"/>
+                </a:solidFill>
+              </a:rPr>
               <a:t> </a:t>
             </a:r>
             <a:r>
@@ -3650,7 +3672,7 @@
                   <a:schemeClr val="bg1"/>
                 </a:solidFill>
               </a:rPr>
-              <a:t>penjual</a:t>
+              <a:t>cetak</a:t>
             </a:r>
             <a:r>
               <a:rPr lang="en-US" sz="3200" dirty="0">
@@ -3658,21 +3680,23 @@
                   <a:schemeClr val="bg1"/>
                 </a:solidFill>
               </a:rPr>
-              <a:t>.</a:t>
-            </a:r>
-          </a:p>
-          <a:p>
-            <a:pPr marL="285750" indent="-285750">
-              <a:buFont typeface="Arial" panose="020B0604020202020204" pitchFamily="34" charset="0"/>
-              <a:buChar char="•"/>
-            </a:pPr>
+              <a:t> PO </a:t>
+            </a:r>
+            <a:r>
+              <a:rPr lang="en-US" sz="3200" dirty="0" err="1">
+                <a:solidFill>
+                  <a:schemeClr val="bg1"/>
+                </a:solidFill>
+              </a:rPr>
+              <a:t>dengan</a:t>
+            </a:r>
             <a:r>
               <a:rPr lang="en-US" sz="3200" dirty="0">
                 <a:solidFill>
                   <a:schemeClr val="bg1"/>
                 </a:solidFill>
               </a:rPr>
-              <a:t>Dari </a:t>
+              <a:t> </a:t>
             </a:r>
             <a:r>
               <a:rPr lang="en-US" sz="3200" dirty="0" err="1">
@@ -3680,47 +3704,7 @@
                   <a:schemeClr val="bg1"/>
                 </a:solidFill>
               </a:rPr>
-              <a:t>sini</a:t>
-            </a:r>
-            <a:r>
-              <a:rPr lang="en-US" sz="3200" dirty="0">
-                <a:solidFill>
-                  <a:schemeClr val="bg1"/>
-                </a:solidFill>
-              </a:rPr>
-              <a:t> </a:t>
-            </a:r>
-            <a:r>
-              <a:rPr lang="en-US" sz="3200" dirty="0" err="1">
-                <a:solidFill>
-                  <a:schemeClr val="bg1"/>
-                </a:solidFill>
-              </a:rPr>
-              <a:t>anda</a:t>
-            </a:r>
-            <a:r>
-              <a:rPr lang="en-US" sz="3200" dirty="0">
-                <a:solidFill>
-                  <a:schemeClr val="bg1"/>
-                </a:solidFill>
-              </a:rPr>
-              <a:t>(</a:t>
-            </a:r>
-            <a:r>
-              <a:rPr lang="en-US" sz="3200" dirty="0" err="1">
-                <a:solidFill>
-                  <a:schemeClr val="bg1"/>
-                </a:solidFill>
-              </a:rPr>
-              <a:t>pembeli</a:t>
-            </a:r>
-            <a:r>
-              <a:rPr lang="en-US" sz="3200" dirty="0">
-                <a:solidFill>
-                  <a:schemeClr val="bg1"/>
-                </a:solidFill>
-              </a:rPr>
-              <a:t>) bis</a:t>
+              <a:t>cara</a:t>
             </a:r>
             <a:r>
               <a:rPr lang="id-ID" sz="3200" dirty="0">
@@ -3728,55 +3712,7 @@
                   <a:schemeClr val="bg1"/>
                 </a:solidFill>
               </a:rPr>
-              <a:t>a</a:t>
-            </a:r>
-            <a:r>
-              <a:rPr lang="en-US" sz="3200" dirty="0">
-                <a:solidFill>
-                  <a:schemeClr val="bg1"/>
-                </a:solidFill>
-              </a:rPr>
-              <a:t> </a:t>
-            </a:r>
-            <a:r>
-              <a:rPr lang="en-US" sz="3200" dirty="0" err="1">
-                <a:solidFill>
-                  <a:schemeClr val="bg1"/>
-                </a:solidFill>
-              </a:rPr>
-              <a:t>cetak</a:t>
-            </a:r>
-            <a:r>
-              <a:rPr lang="en-US" sz="3200" dirty="0">
-                <a:solidFill>
-                  <a:schemeClr val="bg1"/>
-                </a:solidFill>
-              </a:rPr>
-              <a:t> PO </a:t>
-            </a:r>
-            <a:r>
-              <a:rPr lang="en-US" sz="3200" dirty="0" err="1">
-                <a:solidFill>
-                  <a:schemeClr val="bg1"/>
-                </a:solidFill>
-              </a:rPr>
-              <a:t>dengan</a:t>
-            </a:r>
-            <a:r>
-              <a:rPr lang="en-US" sz="3200" dirty="0">
-                <a:solidFill>
-                  <a:schemeClr val="bg1"/>
-                </a:solidFill>
-              </a:rPr>
-              <a:t> </a:t>
-            </a:r>
-            <a:r>
-              <a:rPr lang="en-US" sz="3200" dirty="0" err="1">
-                <a:solidFill>
-                  <a:schemeClr val="bg1"/>
-                </a:solidFill>
-              </a:rPr>
-              <a:t>cara</a:t>
+              <a:t> klik</a:t>
             </a:r>
             <a:r>
               <a:rPr lang="en-US" sz="3200" dirty="0">
@@ -3860,6 +3796,58 @@
               </a:rPr>
               <a:t>#monitoring</a:t>
             </a:r>
+          </a:p>
+        </p:txBody>
+      </p:sp>
+      <p:sp>
+        <p:nvSpPr>
+          <p:cNvPr id="4" name="Rectangle: Rounded Corners 3">
+            <a:extLst>
+              <a:ext uri="{FF2B5EF4-FFF2-40B4-BE49-F238E27FC236}">
+                <a16:creationId xmlns:a16="http://schemas.microsoft.com/office/drawing/2014/main" id="{FD1A825C-8999-4B7F-866B-8E4011988288}"/>
+              </a:ext>
+            </a:extLst>
+          </p:cNvPr>
+          <p:cNvSpPr/>
+          <p:nvPr/>
+        </p:nvSpPr>
+        <p:spPr>
+          <a:xfrm>
+            <a:off x="7513320" y="2249301"/>
+            <a:ext cx="2560320" cy="722499"/>
+          </a:xfrm>
+          <a:prstGeom prst="roundRect">
+            <a:avLst/>
+          </a:prstGeom>
+          <a:noFill/>
+          <a:ln w="57150">
+            <a:solidFill>
+              <a:srgbClr val="FF0000"/>
+            </a:solidFill>
+          </a:ln>
+        </p:spPr>
+        <p:style>
+          <a:lnRef idx="2">
+            <a:schemeClr val="accent1">
+              <a:shade val="50000"/>
+            </a:schemeClr>
+          </a:lnRef>
+          <a:fillRef idx="1">
+            <a:schemeClr val="accent1"/>
+          </a:fillRef>
+          <a:effectRef idx="0">
+            <a:schemeClr val="accent1"/>
+          </a:effectRef>
+          <a:fontRef idx="minor">
+            <a:schemeClr val="lt1"/>
+          </a:fontRef>
+        </p:style>
+        <p:txBody>
+          <a:bodyPr rtlCol="0" anchor="ctr"/>
+          <a:lstStyle/>
+          <a:p>
+            <a:pPr algn="ctr"/>
+            <a:endParaRPr lang="id-ID"/>
           </a:p>
         </p:txBody>
       </p:sp>
@@ -3921,17 +3909,21 @@
           </a:bodyPr>
           <a:lstStyle/>
           <a:p>
-            <a:pPr marL="285750" indent="-285750">
-              <a:buFont typeface="Arial" panose="020B0604020202020204" pitchFamily="34" charset="0"/>
-              <a:buChar char="•"/>
-            </a:pPr>
+            <a:r>
+              <a:rPr lang="id-ID" sz="3200" dirty="0">
+                <a:solidFill>
+                  <a:schemeClr val="bg1"/>
+                </a:solidFill>
+              </a:rPr>
+              <a:t>T</a:t>
+            </a:r>
             <a:r>
               <a:rPr lang="en-US" sz="3200" dirty="0" err="1">
                 <a:solidFill>
                   <a:schemeClr val="bg1"/>
                 </a:solidFill>
               </a:rPr>
-              <a:t>Ini</a:t>
+              <a:t>ampilan</a:t>
             </a:r>
             <a:r>
               <a:rPr lang="en-US" sz="3200" dirty="0">
@@ -3939,79 +3931,23 @@
                   <a:schemeClr val="bg1"/>
                 </a:solidFill>
               </a:rPr>
+              <a:t> detail </a:t>
+            </a:r>
+            <a:r>
+              <a:rPr lang="en-US" sz="3200" dirty="0" err="1">
+                <a:solidFill>
+                  <a:schemeClr val="bg1"/>
+                </a:solidFill>
+              </a:rPr>
+              <a:t>pesanan</a:t>
+            </a:r>
+            <a:r>
+              <a:rPr lang="en-US" sz="3200" dirty="0">
+                <a:solidFill>
+                  <a:schemeClr val="bg1"/>
+                </a:solidFill>
+              </a:rPr>
               <a:t> </a:t>
-            </a:r>
-            <a:r>
-              <a:rPr lang="en-US" sz="3200" dirty="0" err="1">
-                <a:solidFill>
-                  <a:schemeClr val="bg1"/>
-                </a:solidFill>
-              </a:rPr>
-              <a:t>adalah</a:t>
-            </a:r>
-            <a:r>
-              <a:rPr lang="en-US" sz="3200" dirty="0">
-                <a:solidFill>
-                  <a:schemeClr val="bg1"/>
-                </a:solidFill>
-              </a:rPr>
-              <a:t> </a:t>
-            </a:r>
-            <a:r>
-              <a:rPr lang="en-US" sz="3200" dirty="0" err="1">
-                <a:solidFill>
-                  <a:schemeClr val="bg1"/>
-                </a:solidFill>
-              </a:rPr>
-              <a:t>tampilan</a:t>
-            </a:r>
-            <a:r>
-              <a:rPr lang="en-US" sz="3200" dirty="0">
-                <a:solidFill>
-                  <a:schemeClr val="bg1"/>
-                </a:solidFill>
-              </a:rPr>
-              <a:t> detail </a:t>
-            </a:r>
-            <a:r>
-              <a:rPr lang="en-US" sz="3200" dirty="0" err="1">
-                <a:solidFill>
-                  <a:schemeClr val="bg1"/>
-                </a:solidFill>
-              </a:rPr>
-              <a:t>dari</a:t>
-            </a:r>
-            <a:r>
-              <a:rPr lang="en-US" sz="3200" dirty="0">
-                <a:solidFill>
-                  <a:schemeClr val="bg1"/>
-                </a:solidFill>
-              </a:rPr>
-              <a:t> </a:t>
-            </a:r>
-            <a:r>
-              <a:rPr lang="en-US" sz="3200" dirty="0" err="1">
-                <a:solidFill>
-                  <a:schemeClr val="bg1"/>
-                </a:solidFill>
-              </a:rPr>
-              <a:t>pesanan</a:t>
-            </a:r>
-            <a:r>
-              <a:rPr lang="en-US" sz="3200" dirty="0">
-                <a:solidFill>
-                  <a:schemeClr val="bg1"/>
-                </a:solidFill>
-              </a:rPr>
-              <a:t> </a:t>
-            </a:r>
-            <a:r>
-              <a:rPr lang="en-US" sz="3200" dirty="0" err="1">
-                <a:solidFill>
-                  <a:schemeClr val="bg1"/>
-                </a:solidFill>
-              </a:rPr>
-              <a:t>anda</a:t>
             </a:r>
             <a:endParaRPr lang="en-US" sz="3200" i="1" dirty="0">
               <a:solidFill>
@@ -4187,9 +4123,17 @@
                   <a:schemeClr val="bg1"/>
                 </a:solidFill>
               </a:rPr>
-              <a:t>Pesanan dikirim oleh penjual</a:t>
-            </a:r>
-            <a:endParaRPr lang="en-US" sz="3200" dirty="0">
+              <a:t>Status pembelian: </a:t>
+            </a:r>
+            <a:r>
+              <a:rPr lang="id-ID" sz="3200" b="1" dirty="0">
+                <a:solidFill>
+                  <a:schemeClr val="bg1"/>
+                </a:solidFill>
+              </a:rPr>
+              <a:t>“Dalam Pengiriman”</a:t>
+            </a:r>
+            <a:endParaRPr lang="en-US" sz="3200" b="1" dirty="0">
               <a:solidFill>
                 <a:schemeClr val="bg1"/>
               </a:solidFill>
@@ -4340,7 +4284,7 @@
         <p:spPr>
           <a:xfrm>
             <a:off x="481647" y="7201972"/>
-            <a:ext cx="9418320" cy="2062103"/>
+            <a:ext cx="9418320" cy="1569660"/>
           </a:xfrm>
           <a:prstGeom prst="rect">
             <a:avLst/>
@@ -4399,7 +4343,7 @@
                   <a:schemeClr val="bg1"/>
                 </a:solidFill>
               </a:rPr>
-              <a:t>Klik lah tombol tersebut ketika barang sudah sampai di sekolah</a:t>
+              <a:t>Klik tombol tersebut ketika barang sudah diterima</a:t>
             </a:r>
             <a:endParaRPr lang="en-US" sz="3200" dirty="0">
               <a:solidFill>
@@ -4553,7 +4497,7 @@
                 <a:latin typeface="Adobe Gothic Std B" panose="020B0800000000000000" pitchFamily="34" charset="-128"/>
                 <a:ea typeface="Adobe Gothic Std B" panose="020B0800000000000000" pitchFamily="34" charset="-128"/>
               </a:rPr>
-              <a:t>#action</a:t>
+              <a:t>#process</a:t>
             </a:r>
           </a:p>
         </p:txBody>
@@ -4603,7 +4547,7 @@
         <p:spPr>
           <a:xfrm>
             <a:off x="297180" y="4518720"/>
-            <a:ext cx="9418320" cy="3539430"/>
+            <a:ext cx="9418320" cy="3046988"/>
           </a:xfrm>
           <a:prstGeom prst="rect">
             <a:avLst/>
@@ -4648,7 +4592,7 @@
                   <a:schemeClr val="bg1"/>
                 </a:solidFill>
               </a:rPr>
-              <a:t>Selanjutnya Anda (Pembeli) melakukan pembayaran dengan cara transfer pada </a:t>
+              <a:t>Selanjutnya Pembeli melakukan pembayaran dengan cara transfer pada </a:t>
             </a:r>
             <a:r>
               <a:rPr lang="id-ID" sz="3200" b="1" dirty="0">
@@ -4678,7 +4622,7 @@
                   <a:schemeClr val="bg1"/>
                 </a:solidFill>
               </a:rPr>
-              <a:t>Rekening bisa di lihat di website ataupun di dokumen yang diberikan oleh penjual.</a:t>
+              <a:t>Rekening bisa dicek di website siplah.tokoladang.co.id</a:t>
             </a:r>
           </a:p>
           <a:p>
@@ -4692,7 +4636,7 @@
                   <a:schemeClr val="bg1"/>
                 </a:solidFill>
               </a:rPr>
-              <a:t>Setelah melakukan pembayaran bisa langsung melakukan </a:t>
+              <a:t>Setelah melakukan pembayaran bisa melakukan </a:t>
             </a:r>
             <a:r>
               <a:rPr lang="id-ID" sz="3200" b="1" dirty="0">
@@ -4803,7 +4747,7 @@
                 <a:latin typeface="Adobe Gothic Std B" panose="020B0800000000000000" pitchFamily="34" charset="-128"/>
                 <a:ea typeface="Adobe Gothic Std B" panose="020B0800000000000000" pitchFamily="34" charset="-128"/>
               </a:rPr>
-              <a:t>#action</a:t>
+              <a:t>#process</a:t>
             </a:r>
           </a:p>
         </p:txBody>
@@ -5117,18 +5061,18 @@
 </file>
 
 <file path=customXml/item1.xml><?xml version="1.0" encoding="utf-8"?>
-<p:properties xmlns:p="http://schemas.microsoft.com/office/2006/metadata/properties" xmlns:xsi="http://www.w3.org/2001/XMLSchema-instance" xmlns:pc="http://schemas.microsoft.com/office/infopath/2007/PartnerControls">
-  <documentManagement/>
-</p:properties>
-</file>
-
-<file path=customXml/item2.xml><?xml version="1.0" encoding="utf-8"?>
 <?mso-contentType ?>
 <FormTemplates xmlns="http://schemas.microsoft.com/sharepoint/v3/contenttype/forms">
   <Display>DocumentLibraryForm</Display>
   <Edit>DocumentLibraryForm</Edit>
   <New>DocumentLibraryForm</New>
 </FormTemplates>
+</file>
+
+<file path=customXml/item2.xml><?xml version="1.0" encoding="utf-8"?>
+<p:properties xmlns:p="http://schemas.microsoft.com/office/2006/metadata/properties" xmlns:xsi="http://www.w3.org/2001/XMLSchema-instance" xmlns:pc="http://schemas.microsoft.com/office/infopath/2007/PartnerControls">
+  <documentManagement/>
+</p:properties>
 </file>
 
 <file path=customXml/item3.xml><?xml version="1.0" encoding="utf-8"?>
@@ -5270,25 +5214,25 @@
 </file>
 
 <file path=customXml/itemProps1.xml><?xml version="1.0" encoding="utf-8"?>
-<ds:datastoreItem xmlns:ds="http://schemas.openxmlformats.org/officeDocument/2006/customXml" ds:itemID="{E11995FC-08E7-4CE3-AAD9-37C0023556F1}">
+<ds:datastoreItem xmlns:ds="http://schemas.openxmlformats.org/officeDocument/2006/customXml" ds:itemID="{9ADC79B7-B123-447E-84CE-9AA90B0D7642}">
   <ds:schemaRefs>
-    <ds:schemaRef ds:uri="http://schemas.microsoft.com/office/infopath/2007/PartnerControls"/>
-    <ds:schemaRef ds:uri="http://schemas.microsoft.com/office/2006/documentManagement/types"/>
-    <ds:schemaRef ds:uri="http://schemas.microsoft.com/office/2006/metadata/properties"/>
-    <ds:schemaRef ds:uri="http://purl.org/dc/terms/"/>
-    <ds:schemaRef ds:uri="http://purl.org/dc/elements/1.1/"/>
-    <ds:schemaRef ds:uri="http://schemas.openxmlformats.org/package/2006/metadata/core-properties"/>
-    <ds:schemaRef ds:uri="53433e96-4a1d-409d-a130-842bedef70f8"/>
-    <ds:schemaRef ds:uri="http://www.w3.org/XML/1998/namespace"/>
-    <ds:schemaRef ds:uri="http://purl.org/dc/dcmitype/"/>
+    <ds:schemaRef ds:uri="http://schemas.microsoft.com/sharepoint/v3/contenttype/forms"/>
   </ds:schemaRefs>
 </ds:datastoreItem>
 </file>
 
 <file path=customXml/itemProps2.xml><?xml version="1.0" encoding="utf-8"?>
-<ds:datastoreItem xmlns:ds="http://schemas.openxmlformats.org/officeDocument/2006/customXml" ds:itemID="{9ADC79B7-B123-447E-84CE-9AA90B0D7642}">
+<ds:datastoreItem xmlns:ds="http://schemas.openxmlformats.org/officeDocument/2006/customXml" ds:itemID="{E11995FC-08E7-4CE3-AAD9-37C0023556F1}">
   <ds:schemaRefs>
-    <ds:schemaRef ds:uri="http://schemas.microsoft.com/sharepoint/v3/contenttype/forms"/>
+    <ds:schemaRef ds:uri="http://purl.org/dc/elements/1.1/"/>
+    <ds:schemaRef ds:uri="53433e96-4a1d-409d-a130-842bedef70f8"/>
+    <ds:schemaRef ds:uri="http://www.w3.org/XML/1998/namespace"/>
+    <ds:schemaRef ds:uri="http://schemas.microsoft.com/office/2006/documentManagement/types"/>
+    <ds:schemaRef ds:uri="http://schemas.microsoft.com/office/2006/metadata/properties"/>
+    <ds:schemaRef ds:uri="http://purl.org/dc/dcmitype/"/>
+    <ds:schemaRef ds:uri="http://schemas.microsoft.com/office/infopath/2007/PartnerControls"/>
+    <ds:schemaRef ds:uri="http://schemas.openxmlformats.org/package/2006/metadata/core-properties"/>
+    <ds:schemaRef ds:uri="http://purl.org/dc/terms/"/>
   </ds:schemaRefs>
 </ds:datastoreItem>
 </file>

--- a/sop-pembeli.pptx
+++ b/sop-pembeli.pptx
@@ -5070,12 +5070,6 @@
 </file>
 
 <file path=customXml/item2.xml><?xml version="1.0" encoding="utf-8"?>
-<p:properties xmlns:p="http://schemas.microsoft.com/office/2006/metadata/properties" xmlns:xsi="http://www.w3.org/2001/XMLSchema-instance" xmlns:pc="http://schemas.microsoft.com/office/infopath/2007/PartnerControls">
-  <documentManagement/>
-</p:properties>
-</file>
-
-<file path=customXml/item3.xml><?xml version="1.0" encoding="utf-8"?>
 <ct:contentTypeSchema xmlns:ct="http://schemas.microsoft.com/office/2006/metadata/contentType" xmlns:ma="http://schemas.microsoft.com/office/2006/metadata/properties/metaAttributes" ct:_="" ma:_="" ma:contentTypeName="Document" ma:contentTypeID="0x0101001B5BDA7C6CE0794CB690081AF5BE7757" ma:contentTypeVersion="3" ma:contentTypeDescription="Create a new document." ma:contentTypeScope="" ma:versionID="44b1045e285762bee7b65659c1d8a1ab">
   <xsd:schema xmlns:xsd="http://www.w3.org/2001/XMLSchema" xmlns:xs="http://www.w3.org/2001/XMLSchema" xmlns:p="http://schemas.microsoft.com/office/2006/metadata/properties" xmlns:ns3="53433e96-4a1d-409d-a130-842bedef70f8" targetNamespace="http://schemas.microsoft.com/office/2006/metadata/properties" ma:root="true" ma:fieldsID="a650c8404bbdd64b99b0b1ec51252d95" ns3:_="">
     <xsd:import namespace="53433e96-4a1d-409d-a130-842bedef70f8"/>
@@ -5213,6 +5207,12 @@
 </ct:contentTypeSchema>
 </file>
 
+<file path=customXml/item3.xml><?xml version="1.0" encoding="utf-8"?>
+<p:properties xmlns:p="http://schemas.microsoft.com/office/2006/metadata/properties" xmlns:xsi="http://www.w3.org/2001/XMLSchema-instance" xmlns:pc="http://schemas.microsoft.com/office/infopath/2007/PartnerControls">
+  <documentManagement/>
+</p:properties>
+</file>
+
 <file path=customXml/itemProps1.xml><?xml version="1.0" encoding="utf-8"?>
 <ds:datastoreItem xmlns:ds="http://schemas.openxmlformats.org/officeDocument/2006/customXml" ds:itemID="{9ADC79B7-B123-447E-84CE-9AA90B0D7642}">
   <ds:schemaRefs>
@@ -5222,22 +5222,6 @@
 </file>
 
 <file path=customXml/itemProps2.xml><?xml version="1.0" encoding="utf-8"?>
-<ds:datastoreItem xmlns:ds="http://schemas.openxmlformats.org/officeDocument/2006/customXml" ds:itemID="{E11995FC-08E7-4CE3-AAD9-37C0023556F1}">
-  <ds:schemaRefs>
-    <ds:schemaRef ds:uri="http://purl.org/dc/elements/1.1/"/>
-    <ds:schemaRef ds:uri="53433e96-4a1d-409d-a130-842bedef70f8"/>
-    <ds:schemaRef ds:uri="http://www.w3.org/XML/1998/namespace"/>
-    <ds:schemaRef ds:uri="http://schemas.microsoft.com/office/2006/documentManagement/types"/>
-    <ds:schemaRef ds:uri="http://schemas.microsoft.com/office/2006/metadata/properties"/>
-    <ds:schemaRef ds:uri="http://purl.org/dc/dcmitype/"/>
-    <ds:schemaRef ds:uri="http://schemas.microsoft.com/office/infopath/2007/PartnerControls"/>
-    <ds:schemaRef ds:uri="http://schemas.openxmlformats.org/package/2006/metadata/core-properties"/>
-    <ds:schemaRef ds:uri="http://purl.org/dc/terms/"/>
-  </ds:schemaRefs>
-</ds:datastoreItem>
-</file>
-
-<file path=customXml/itemProps3.xml><?xml version="1.0" encoding="utf-8"?>
 <ds:datastoreItem xmlns:ds="http://schemas.openxmlformats.org/officeDocument/2006/customXml" ds:itemID="{68444BF6-EE7C-43B3-8C74-FAC914ABFF8B}">
   <ds:schemaRefs>
     <ds:schemaRef ds:uri="http://schemas.microsoft.com/office/2006/metadata/contentType"/>
@@ -5253,4 +5237,20 @@
     <ds:schemaRef ds:uri="http://schemas.microsoft.com/internal/obd"/>
   </ds:schemaRefs>
 </ds:datastoreItem>
+</file>
+
+<file path=customXml/itemProps3.xml><?xml version="1.0" encoding="utf-8"?>
+<ds:datastoreItem xmlns:ds="http://schemas.openxmlformats.org/officeDocument/2006/customXml" ds:itemID="{E11995FC-08E7-4CE3-AAD9-37C0023556F1}">
+  <ds:schemaRefs>
+    <ds:schemaRef ds:uri="http://purl.org/dc/elements/1.1/"/>
+    <ds:schemaRef ds:uri="53433e96-4a1d-409d-a130-842bedef70f8"/>
+    <ds:schemaRef ds:uri="http://www.w3.org/XML/1998/namespace"/>
+    <ds:schemaRef ds:uri="http://schemas.microsoft.com/office/2006/documentManagement/types"/>
+    <ds:schemaRef ds:uri="http://schemas.microsoft.com/office/2006/metadata/properties"/>
+    <ds:schemaRef ds:uri="http://purl.org/dc/dcmitype/"/>
+    <ds:schemaRef ds:uri="http://schemas.microsoft.com/office/infopath/2007/PartnerControls"/>
+    <ds:schemaRef ds:uri="http://schemas.openxmlformats.org/package/2006/metadata/core-properties"/>
+    <ds:schemaRef ds:uri="http://purl.org/dc/terms/"/>
+  </ds:schemaRefs>
+</ds:datastoreItem>
 </file>